--- a/Design/디자인.pptx
+++ b/Design/디자인.pptx
@@ -114,6 +114,11 @@
       </a:defRPr>
     </a:lvl9pPr>
   </p:defaultTextStyle>
+  <p:extLst>
+    <p:ext uri="{EFAFB233-063F-42B5-8137-9DF3F51BA10A}">
+      <p15:sldGuideLst xmlns:p15="http://schemas.microsoft.com/office/powerpoint/2012/main"/>
+    </p:ext>
+  </p:extLst>
 </p:presentation>
 </file>
 
@@ -4042,10 +4047,10 @@
         </p:nvGrpSpPr>
         <p:grpSpPr>
           <a:xfrm>
-            <a:off x="1498408" y="-299283"/>
-            <a:ext cx="4420139" cy="6964013"/>
-            <a:chOff x="1498408" y="-299283"/>
-            <a:chExt cx="4420139" cy="6964013"/>
+            <a:off x="1515521" y="84063"/>
+            <a:ext cx="4403026" cy="6580667"/>
+            <a:chOff x="1515521" y="84063"/>
+            <a:chExt cx="4403026" cy="6580667"/>
           </a:xfrm>
         </p:grpSpPr>
         <p:grpSp>
@@ -4201,7 +4206,7 @@
           </p:blipFill>
           <p:spPr>
             <a:xfrm>
-              <a:off x="1498408" y="-299283"/>
+              <a:off x="1515521" y="84063"/>
               <a:ext cx="4403026" cy="4403026"/>
             </a:xfrm>
             <a:prstGeom prst="rect">
